--- a/presentation/eecs442_final_presentation.pptx
+++ b/presentation/eecs442_final_presentation.pptx
@@ -3531,11 +3531,7 @@
             </a:r>
             <a:r>
               <a:rPr lang="en-US" sz="2800" dirty="0" smtClean="0"/>
-              <a:t>, </a:t>
-            </a:r>
-            <a:r>
-              <a:rPr lang="en-US" sz="2800" dirty="0" smtClean="0"/>
-              <a:t>2017</a:t>
+              <a:t>, 2017</a:t>
             </a:r>
           </a:p>
           <a:p>
@@ -4472,11 +4468,7 @@
           <a:p>
             <a:r>
               <a:rPr kumimoji="1" lang="en-US" altLang="zh-CN" sz="4000" smtClean="0"/>
-              <a:t>Introduction</a:t>
-            </a:r>
-            <a:r>
-              <a:rPr kumimoji="1" lang="en-US" altLang="zh-CN" sz="4000" smtClean="0"/>
-              <a:t>:</a:t>
+              <a:t>Introduction:</a:t>
             </a:r>
             <a:r>
               <a:rPr kumimoji="1" lang="zh-CN" altLang="en-US" sz="4000" smtClean="0"/>
@@ -4991,47 +4983,47 @@
           <a:lstStyle/>
           <a:p>
             <a:r>
-              <a:rPr lang="en-US" altLang="zh-CN" b="1" smtClean="0"/>
+              <a:rPr lang="en-US" altLang="zh-CN" b="1" dirty="0" smtClean="0"/>
               <a:t>Edge</a:t>
             </a:r>
             <a:r>
-              <a:rPr lang="zh-CN" altLang="en-US" b="1" smtClean="0"/>
-              <a:t> </a:t>
-            </a:r>
-            <a:r>
-              <a:rPr lang="en-US" altLang="zh-CN" b="1" smtClean="0"/>
+              <a:rPr lang="zh-CN" altLang="en-US" b="1" dirty="0" smtClean="0"/>
+              <a:t> </a:t>
+            </a:r>
+            <a:r>
+              <a:rPr lang="en-US" altLang="zh-CN" b="1" dirty="0" smtClean="0"/>
               <a:t>detection</a:t>
             </a:r>
             <a:r>
-              <a:rPr lang="zh-CN" altLang="en-US" b="1" smtClean="0"/>
-              <a:t> </a:t>
-            </a:r>
-            <a:r>
-              <a:rPr lang="en-US" altLang="zh-CN" b="1" smtClean="0"/>
+              <a:rPr lang="zh-CN" altLang="en-US" b="1" dirty="0" smtClean="0"/>
+              <a:t> </a:t>
+            </a:r>
+            <a:r>
+              <a:rPr lang="en-US" altLang="zh-CN" b="1" dirty="0" smtClean="0"/>
               <a:t>to</a:t>
             </a:r>
             <a:r>
-              <a:rPr lang="zh-CN" altLang="en-US" b="1" smtClean="0"/>
-              <a:t> </a:t>
-            </a:r>
-            <a:r>
-              <a:rPr lang="en-US" altLang="zh-CN" b="1" smtClean="0"/>
+              <a:rPr lang="zh-CN" altLang="en-US" b="1" dirty="0" smtClean="0"/>
+              <a:t> </a:t>
+            </a:r>
+            <a:r>
+              <a:rPr lang="en-US" altLang="zh-CN" b="1" dirty="0" smtClean="0"/>
               <a:t>remove</a:t>
             </a:r>
             <a:r>
-              <a:rPr lang="zh-CN" altLang="en-US" b="1" smtClean="0"/>
-              <a:t> </a:t>
-            </a:r>
-            <a:r>
-              <a:rPr lang="en-US" altLang="zh-CN" b="1" smtClean="0"/>
+              <a:rPr lang="zh-CN" altLang="en-US" b="1" dirty="0" smtClean="0"/>
+              <a:t> </a:t>
+            </a:r>
+            <a:r>
+              <a:rPr lang="en-US" altLang="zh-CN" b="1" dirty="0" smtClean="0"/>
               <a:t>unnecessary</a:t>
             </a:r>
             <a:r>
-              <a:rPr lang="zh-CN" altLang="en-US" b="1" smtClean="0"/>
-              <a:t> </a:t>
-            </a:r>
-            <a:r>
-              <a:rPr lang="en-US" altLang="zh-CN" b="1" smtClean="0"/>
+              <a:rPr lang="zh-CN" altLang="en-US" b="1" dirty="0" smtClean="0"/>
+              <a:t> </a:t>
+            </a:r>
+            <a:r>
+              <a:rPr lang="en-US" altLang="zh-CN" b="1" dirty="0" smtClean="0"/>
               <a:t>information</a:t>
             </a:r>
           </a:p>
@@ -5041,54 +5033,54 @@
               <a:buChar char="q"/>
             </a:pPr>
             <a:r>
-              <a:rPr lang="zh-CN" altLang="en-US" b="1"/>
-              <a:t> </a:t>
-            </a:r>
-            <a:r>
-              <a:rPr lang="en-US" altLang="zh-CN" smtClean="0"/>
+              <a:rPr lang="zh-CN" altLang="en-US" b="1" dirty="0"/>
+              <a:t> </a:t>
+            </a:r>
+            <a:r>
+              <a:rPr lang="en-US" altLang="zh-CN" dirty="0" smtClean="0"/>
               <a:t>Apply</a:t>
             </a:r>
             <a:r>
-              <a:rPr lang="zh-CN" altLang="en-US" smtClean="0"/>
-              <a:t> </a:t>
-            </a:r>
-            <a:r>
-              <a:rPr lang="en-US" altLang="zh-CN" smtClean="0"/>
+              <a:rPr lang="zh-CN" altLang="en-US" dirty="0" smtClean="0"/>
+              <a:t> </a:t>
+            </a:r>
+            <a:r>
+              <a:rPr lang="en-US" altLang="zh-CN" dirty="0" smtClean="0"/>
               <a:t>two</a:t>
             </a:r>
             <a:r>
-              <a:rPr lang="zh-CN" altLang="en-US" smtClean="0"/>
-              <a:t> </a:t>
-            </a:r>
-            <a:r>
-              <a:rPr lang="en-US" altLang="zh-CN" smtClean="0"/>
+              <a:rPr lang="zh-CN" altLang="en-US" dirty="0" smtClean="0"/>
+              <a:t> </a:t>
+            </a:r>
+            <a:r>
+              <a:rPr lang="en-US" altLang="zh-CN" dirty="0" smtClean="0"/>
               <a:t>kernels</a:t>
             </a:r>
             <a:r>
-              <a:rPr lang="zh-CN" altLang="en-US" smtClean="0"/>
-              <a:t> </a:t>
-            </a:r>
-            <a:r>
-              <a:rPr lang="en-US" altLang="zh-CN" smtClean="0"/>
+              <a:rPr lang="zh-CN" altLang="en-US" dirty="0" smtClean="0"/>
+              <a:t> </a:t>
+            </a:r>
+            <a:r>
+              <a:rPr lang="en-US" altLang="zh-CN" dirty="0" smtClean="0"/>
               <a:t>horizontally</a:t>
             </a:r>
             <a:r>
-              <a:rPr lang="zh-CN" altLang="en-US" smtClean="0"/>
-              <a:t> </a:t>
-            </a:r>
-            <a:r>
-              <a:rPr lang="en-US" altLang="zh-CN" smtClean="0"/>
+              <a:rPr lang="zh-CN" altLang="en-US" dirty="0" smtClean="0"/>
+              <a:t> </a:t>
+            </a:r>
+            <a:r>
+              <a:rPr lang="en-US" altLang="zh-CN" dirty="0" smtClean="0"/>
               <a:t>and</a:t>
             </a:r>
             <a:r>
-              <a:rPr lang="zh-CN" altLang="en-US" smtClean="0"/>
-              <a:t> </a:t>
-            </a:r>
-            <a:r>
-              <a:rPr lang="en-US" altLang="zh-CN" smtClean="0"/>
+              <a:rPr lang="zh-CN" altLang="en-US" dirty="0" smtClean="0"/>
+              <a:t> </a:t>
+            </a:r>
+            <a:r>
+              <a:rPr lang="en-US" altLang="zh-CN" dirty="0" smtClean="0"/>
               <a:t>vertically</a:t>
             </a:r>
-            <a:endParaRPr lang="en-US" altLang="zh-CN"/>
+            <a:endParaRPr lang="en-US" altLang="zh-CN" dirty="0"/>
           </a:p>
           <a:p>
             <a:pPr>
@@ -5096,98 +5088,98 @@
               <a:buChar char="q"/>
             </a:pPr>
             <a:r>
-              <a:rPr lang="zh-CN" altLang="en-US" b="1" smtClean="0"/>
-              <a:t> </a:t>
-            </a:r>
-            <a:r>
-              <a:rPr lang="en-US" altLang="zh-CN" smtClean="0"/>
+              <a:rPr lang="zh-CN" altLang="en-US" b="1" dirty="0" smtClean="0"/>
+              <a:t> </a:t>
+            </a:r>
+            <a:r>
+              <a:rPr lang="en-US" altLang="zh-CN" dirty="0" smtClean="0"/>
               <a:t>Filter</a:t>
             </a:r>
             <a:r>
-              <a:rPr lang="zh-CN" altLang="en-US" smtClean="0"/>
-              <a:t> </a:t>
-            </a:r>
-            <a:r>
-              <a:rPr lang="en-US" altLang="zh-CN" smtClean="0"/>
+              <a:rPr lang="zh-CN" altLang="en-US" dirty="0" smtClean="0"/>
+              <a:t> </a:t>
+            </a:r>
+            <a:r>
+              <a:rPr lang="en-US" altLang="zh-CN" dirty="0" smtClean="0"/>
               <a:t>pixels</a:t>
             </a:r>
             <a:r>
-              <a:rPr lang="zh-CN" altLang="en-US" smtClean="0"/>
-              <a:t> </a:t>
-            </a:r>
-            <a:r>
-              <a:rPr lang="en-US" altLang="zh-CN" smtClean="0"/>
+              <a:rPr lang="zh-CN" altLang="en-US" dirty="0" smtClean="0"/>
+              <a:t> </a:t>
+            </a:r>
+            <a:r>
+              <a:rPr lang="en-US" altLang="zh-CN" dirty="0" smtClean="0"/>
               <a:t>by</a:t>
             </a:r>
             <a:r>
-              <a:rPr lang="zh-CN" altLang="en-US" smtClean="0"/>
-              <a:t> </a:t>
-            </a:r>
-            <a:r>
-              <a:rPr lang="en-US" altLang="zh-CN" smtClean="0"/>
+              <a:rPr lang="zh-CN" altLang="en-US" dirty="0" smtClean="0"/>
+              <a:t> </a:t>
+            </a:r>
+            <a:r>
+              <a:rPr lang="en-US" altLang="zh-CN" dirty="0" smtClean="0"/>
               <a:t>defining</a:t>
             </a:r>
             <a:r>
-              <a:rPr lang="zh-CN" altLang="en-US" smtClean="0"/>
-              <a:t> </a:t>
-            </a:r>
-            <a:r>
-              <a:rPr lang="en-US" altLang="zh-CN" smtClean="0"/>
+              <a:rPr lang="zh-CN" altLang="en-US" dirty="0" smtClean="0"/>
+              <a:t> </a:t>
+            </a:r>
+            <a:r>
+              <a:rPr lang="en-US" altLang="zh-CN" dirty="0" smtClean="0"/>
               <a:t>a</a:t>
             </a:r>
             <a:r>
-              <a:rPr lang="zh-CN" altLang="en-US" smtClean="0"/>
-              <a:t> </a:t>
-            </a:r>
-            <a:r>
-              <a:rPr lang="en-US" altLang="zh-CN" smtClean="0"/>
+              <a:rPr lang="zh-CN" altLang="en-US" dirty="0" smtClean="0"/>
+              <a:t> </a:t>
+            </a:r>
+            <a:r>
+              <a:rPr lang="en-US" altLang="zh-CN" dirty="0" smtClean="0"/>
               <a:t>threshold</a:t>
             </a:r>
-            <a:endParaRPr lang="en-US" altLang="zh-CN" b="1" smtClean="0"/>
-          </a:p>
-          <a:p>
-            <a:r>
-              <a:rPr lang="en-US" altLang="zh-CN" b="1" smtClean="0"/>
+            <a:endParaRPr lang="en-US" altLang="zh-CN" b="1" dirty="0" smtClean="0"/>
+          </a:p>
+          <a:p>
+            <a:r>
+              <a:rPr lang="en-US" altLang="zh-CN" b="1" dirty="0" smtClean="0"/>
               <a:t>Calculate</a:t>
             </a:r>
             <a:r>
-              <a:rPr lang="zh-CN" altLang="en-US" b="1" smtClean="0"/>
-              <a:t> </a:t>
-            </a:r>
-            <a:r>
-              <a:rPr lang="en-US" altLang="zh-CN" b="1" smtClean="0"/>
+              <a:rPr lang="zh-CN" altLang="en-US" b="1" dirty="0" smtClean="0"/>
+              <a:t> </a:t>
+            </a:r>
+            <a:r>
+              <a:rPr lang="en-US" altLang="zh-CN" b="1" dirty="0" smtClean="0"/>
               <a:t>histogram</a:t>
             </a:r>
             <a:r>
-              <a:rPr lang="zh-CN" altLang="en-US" b="1" smtClean="0"/>
-              <a:t> </a:t>
-            </a:r>
-            <a:r>
-              <a:rPr lang="en-US" altLang="zh-CN" b="1" smtClean="0"/>
+              <a:rPr lang="zh-CN" altLang="en-US" b="1" dirty="0" smtClean="0"/>
+              <a:t> </a:t>
+            </a:r>
+            <a:r>
+              <a:rPr lang="en-US" altLang="zh-CN" b="1" dirty="0" smtClean="0"/>
               <a:t>to</a:t>
             </a:r>
             <a:r>
-              <a:rPr lang="zh-CN" altLang="en-US" b="1" smtClean="0"/>
-              <a:t> </a:t>
-            </a:r>
-            <a:r>
-              <a:rPr lang="en-US" altLang="zh-CN" b="1" smtClean="0"/>
+              <a:rPr lang="zh-CN" altLang="en-US" b="1" dirty="0" smtClean="0"/>
+              <a:t> </a:t>
+            </a:r>
+            <a:r>
+              <a:rPr lang="en-US" altLang="zh-CN" b="1" dirty="0" smtClean="0"/>
               <a:t>extract</a:t>
             </a:r>
             <a:r>
-              <a:rPr lang="zh-CN" altLang="en-US" b="1" smtClean="0"/>
-              <a:t> </a:t>
-            </a:r>
-            <a:r>
-              <a:rPr lang="en-US" altLang="zh-CN" b="1" smtClean="0"/>
+              <a:rPr lang="zh-CN" altLang="en-US" b="1" dirty="0" smtClean="0"/>
+              <a:t> </a:t>
+            </a:r>
+            <a:r>
+              <a:rPr lang="en-US" altLang="zh-CN" b="1" dirty="0" smtClean="0"/>
               <a:t>the</a:t>
             </a:r>
             <a:r>
-              <a:rPr lang="zh-CN" altLang="en-US" b="1" smtClean="0"/>
-              <a:t> </a:t>
-            </a:r>
-            <a:r>
-              <a:rPr lang="en-US" altLang="zh-CN" b="1" smtClean="0"/>
+              <a:rPr lang="zh-CN" altLang="en-US" b="1" dirty="0" smtClean="0"/>
+              <a:t> </a:t>
+            </a:r>
+            <a:r>
+              <a:rPr lang="en-US" altLang="zh-CN" b="1" dirty="0" smtClean="0"/>
               <a:t>plate</a:t>
             </a:r>
           </a:p>
@@ -5197,43 +5189,43 @@
               <a:buChar char="q"/>
             </a:pPr>
             <a:r>
-              <a:rPr lang="zh-CN" altLang="en-US"/>
-              <a:t> </a:t>
-            </a:r>
-            <a:r>
-              <a:rPr lang="en-US" altLang="zh-CN" smtClean="0"/>
+              <a:rPr lang="zh-CN" altLang="en-US" dirty="0"/>
+              <a:t> </a:t>
+            </a:r>
+            <a:r>
+              <a:rPr lang="en-US" altLang="zh-CN" dirty="0" smtClean="0"/>
               <a:t>Calculate</a:t>
             </a:r>
             <a:r>
-              <a:rPr lang="zh-CN" altLang="en-US" smtClean="0"/>
-              <a:t> </a:t>
-            </a:r>
-            <a:r>
-              <a:rPr lang="en-US" altLang="zh-CN" smtClean="0"/>
+              <a:rPr lang="zh-CN" altLang="en-US" dirty="0" smtClean="0"/>
+              <a:t> </a:t>
+            </a:r>
+            <a:r>
+              <a:rPr lang="en-US" altLang="zh-CN" dirty="0" smtClean="0"/>
               <a:t>column-wise</a:t>
             </a:r>
             <a:r>
-              <a:rPr lang="zh-CN" altLang="en-US" smtClean="0"/>
-              <a:t> </a:t>
-            </a:r>
-            <a:r>
-              <a:rPr lang="en-US" altLang="zh-CN" smtClean="0"/>
+              <a:rPr lang="zh-CN" altLang="en-US" dirty="0" smtClean="0"/>
+              <a:t> </a:t>
+            </a:r>
+            <a:r>
+              <a:rPr lang="en-US" altLang="zh-CN" dirty="0" smtClean="0"/>
               <a:t>and</a:t>
             </a:r>
             <a:r>
-              <a:rPr lang="zh-CN" altLang="en-US" smtClean="0"/>
-              <a:t> </a:t>
-            </a:r>
-            <a:r>
-              <a:rPr lang="en-US" altLang="zh-CN" smtClean="0"/>
+              <a:rPr lang="zh-CN" altLang="en-US" dirty="0" smtClean="0"/>
+              <a:t> </a:t>
+            </a:r>
+            <a:r>
+              <a:rPr lang="en-US" altLang="zh-CN" dirty="0" smtClean="0"/>
               <a:t>row-wise</a:t>
             </a:r>
             <a:r>
-              <a:rPr lang="zh-CN" altLang="en-US" smtClean="0"/>
-              <a:t> </a:t>
-            </a:r>
-            <a:r>
-              <a:rPr lang="en-US" altLang="zh-CN" smtClean="0"/>
+              <a:rPr lang="zh-CN" altLang="en-US" dirty="0" smtClean="0"/>
+              <a:t> </a:t>
+            </a:r>
+            <a:r>
+              <a:rPr lang="en-US" altLang="zh-CN" dirty="0" smtClean="0"/>
               <a:t>difference</a:t>
             </a:r>
           </a:p>
@@ -5243,75 +5235,75 @@
               <a:buChar char="q"/>
             </a:pPr>
             <a:r>
-              <a:rPr lang="zh-CN" altLang="en-US"/>
-              <a:t> </a:t>
-            </a:r>
-            <a:r>
-              <a:rPr lang="en-US" altLang="zh-CN" smtClean="0"/>
+              <a:rPr lang="zh-CN" altLang="en-US" dirty="0"/>
+              <a:t> </a:t>
+            </a:r>
+            <a:r>
+              <a:rPr lang="en-US" altLang="zh-CN" dirty="0" smtClean="0"/>
               <a:t>Calculate</a:t>
             </a:r>
             <a:r>
-              <a:rPr lang="zh-CN" altLang="en-US" smtClean="0"/>
-              <a:t> </a:t>
-            </a:r>
-            <a:r>
-              <a:rPr lang="en-US" altLang="zh-CN" smtClean="0"/>
+              <a:rPr lang="zh-CN" altLang="en-US" dirty="0" smtClean="0"/>
+              <a:t> </a:t>
+            </a:r>
+            <a:r>
+              <a:rPr lang="en-US" altLang="zh-CN" dirty="0" smtClean="0"/>
               <a:t>horizontal</a:t>
             </a:r>
             <a:r>
-              <a:rPr lang="zh-CN" altLang="en-US" smtClean="0"/>
-              <a:t> </a:t>
-            </a:r>
-            <a:r>
-              <a:rPr lang="en-US" altLang="zh-CN" smtClean="0"/>
+              <a:rPr lang="zh-CN" altLang="en-US" dirty="0" smtClean="0"/>
+              <a:t> </a:t>
+            </a:r>
+            <a:r>
+              <a:rPr lang="en-US" altLang="zh-CN" dirty="0" smtClean="0"/>
               <a:t>and</a:t>
             </a:r>
             <a:r>
-              <a:rPr lang="zh-CN" altLang="en-US" smtClean="0"/>
-              <a:t> </a:t>
-            </a:r>
-            <a:r>
-              <a:rPr lang="en-US" altLang="zh-CN" smtClean="0"/>
+              <a:rPr lang="zh-CN" altLang="en-US" dirty="0" smtClean="0"/>
+              <a:t> </a:t>
+            </a:r>
+            <a:r>
+              <a:rPr lang="en-US" altLang="zh-CN" dirty="0" smtClean="0"/>
               <a:t>vertical</a:t>
             </a:r>
             <a:r>
-              <a:rPr lang="zh-CN" altLang="en-US" smtClean="0"/>
-              <a:t> </a:t>
-            </a:r>
-            <a:r>
-              <a:rPr lang="en-US" altLang="zh-CN" smtClean="0"/>
+              <a:rPr lang="zh-CN" altLang="en-US" dirty="0" smtClean="0"/>
+              <a:t> </a:t>
+            </a:r>
+            <a:r>
+              <a:rPr lang="en-US" altLang="zh-CN" dirty="0" smtClean="0"/>
               <a:t>histogram</a:t>
             </a:r>
             <a:r>
-              <a:rPr lang="zh-CN" altLang="en-US" smtClean="0"/>
-              <a:t> </a:t>
-            </a:r>
-            <a:r>
-              <a:rPr lang="en-US" altLang="zh-CN" smtClean="0"/>
+              <a:rPr lang="zh-CN" altLang="en-US" dirty="0" smtClean="0"/>
+              <a:t> </a:t>
+            </a:r>
+            <a:r>
+              <a:rPr lang="en-US" altLang="zh-CN" dirty="0" smtClean="0"/>
               <a:t>by</a:t>
             </a:r>
             <a:r>
-              <a:rPr lang="zh-CN" altLang="en-US" smtClean="0"/>
-              <a:t> </a:t>
-            </a:r>
-            <a:r>
-              <a:rPr lang="en-US" altLang="zh-CN" smtClean="0"/>
+              <a:rPr lang="zh-CN" altLang="en-US" dirty="0" smtClean="0"/>
+              <a:t> </a:t>
+            </a:r>
+            <a:r>
+              <a:rPr lang="en-US" altLang="zh-CN" dirty="0" smtClean="0"/>
               <a:t>defining</a:t>
             </a:r>
             <a:r>
-              <a:rPr lang="zh-CN" altLang="en-US" smtClean="0"/>
-              <a:t> </a:t>
-            </a:r>
-            <a:r>
-              <a:rPr lang="en-US" altLang="zh-CN" smtClean="0"/>
+              <a:rPr lang="zh-CN" altLang="en-US" dirty="0" smtClean="0"/>
+              <a:t> </a:t>
+            </a:r>
+            <a:r>
+              <a:rPr lang="en-US" altLang="zh-CN" dirty="0" smtClean="0"/>
               <a:t>a</a:t>
             </a:r>
             <a:r>
-              <a:rPr lang="zh-CN" altLang="en-US" smtClean="0"/>
-              <a:t> </a:t>
-            </a:r>
-            <a:r>
-              <a:rPr lang="en-US" altLang="zh-CN" smtClean="0"/>
+              <a:rPr lang="zh-CN" altLang="en-US" dirty="0" smtClean="0"/>
+              <a:t> </a:t>
+            </a:r>
+            <a:r>
+              <a:rPr lang="en-US" altLang="zh-CN" dirty="0" smtClean="0"/>
               <a:t>threshold</a:t>
             </a:r>
           </a:p>
@@ -5321,91 +5313,91 @@
               <a:buChar char="q"/>
             </a:pPr>
             <a:r>
-              <a:rPr lang="zh-CN" altLang="en-US"/>
-              <a:t> </a:t>
-            </a:r>
-            <a:r>
-              <a:rPr lang="en-US" altLang="zh-CN" smtClean="0"/>
+              <a:rPr lang="zh-CN" altLang="en-US" dirty="0"/>
+              <a:t> </a:t>
+            </a:r>
+            <a:r>
+              <a:rPr lang="en-US" altLang="zh-CN" dirty="0" smtClean="0"/>
               <a:t>Traverse</a:t>
             </a:r>
             <a:r>
-              <a:rPr lang="zh-CN" altLang="en-US" smtClean="0"/>
-              <a:t> </a:t>
-            </a:r>
-            <a:r>
-              <a:rPr lang="en-US" altLang="zh-CN" smtClean="0"/>
+              <a:rPr lang="zh-CN" altLang="en-US" dirty="0" smtClean="0"/>
+              <a:t> </a:t>
+            </a:r>
+            <a:r>
+              <a:rPr lang="en-US" altLang="zh-CN" dirty="0" smtClean="0"/>
               <a:t>histogram</a:t>
             </a:r>
             <a:r>
-              <a:rPr lang="zh-CN" altLang="en-US" smtClean="0"/>
-              <a:t> </a:t>
-            </a:r>
-            <a:r>
-              <a:rPr lang="en-US" altLang="zh-CN" smtClean="0"/>
+              <a:rPr lang="zh-CN" altLang="en-US" dirty="0" smtClean="0"/>
+              <a:t> </a:t>
+            </a:r>
+            <a:r>
+              <a:rPr lang="en-US" altLang="zh-CN" dirty="0" smtClean="0"/>
               <a:t>to</a:t>
             </a:r>
             <a:r>
-              <a:rPr lang="zh-CN" altLang="en-US" smtClean="0"/>
-              <a:t> </a:t>
-            </a:r>
-            <a:r>
-              <a:rPr lang="en-US" altLang="zh-CN" smtClean="0"/>
+              <a:rPr lang="zh-CN" altLang="en-US" dirty="0" smtClean="0"/>
+              <a:t> </a:t>
+            </a:r>
+            <a:r>
+              <a:rPr lang="en-US" altLang="zh-CN" dirty="0" smtClean="0"/>
               <a:t>get</a:t>
             </a:r>
             <a:r>
-              <a:rPr lang="zh-CN" altLang="en-US" smtClean="0"/>
-              <a:t> </a:t>
-            </a:r>
-            <a:r>
-              <a:rPr lang="en-US" altLang="zh-CN" smtClean="0"/>
+              <a:rPr lang="zh-CN" altLang="en-US" dirty="0" smtClean="0"/>
+              <a:t> </a:t>
+            </a:r>
+            <a:r>
+              <a:rPr lang="en-US" altLang="zh-CN" dirty="0" smtClean="0"/>
               <a:t>pairs</a:t>
             </a:r>
             <a:r>
-              <a:rPr lang="zh-CN" altLang="en-US" smtClean="0"/>
-              <a:t> </a:t>
-            </a:r>
-            <a:r>
-              <a:rPr lang="en-US" altLang="zh-CN" smtClean="0"/>
+              <a:rPr lang="zh-CN" altLang="en-US" dirty="0" smtClean="0"/>
+              <a:t> </a:t>
+            </a:r>
+            <a:r>
+              <a:rPr lang="en-US" altLang="zh-CN" dirty="0" smtClean="0"/>
               <a:t>of</a:t>
             </a:r>
             <a:r>
-              <a:rPr lang="zh-CN" altLang="en-US" smtClean="0"/>
-              <a:t> </a:t>
-            </a:r>
-            <a:r>
-              <a:rPr lang="en-US" altLang="zh-CN" smtClean="0"/>
+              <a:rPr lang="zh-CN" altLang="en-US" dirty="0" smtClean="0"/>
+              <a:t> </a:t>
+            </a:r>
+            <a:r>
+              <a:rPr lang="en-US" altLang="zh-CN" dirty="0" smtClean="0"/>
               <a:t>starting</a:t>
             </a:r>
             <a:r>
-              <a:rPr lang="zh-CN" altLang="en-US" smtClean="0"/>
-              <a:t> </a:t>
-            </a:r>
-            <a:r>
-              <a:rPr lang="en-US" altLang="zh-CN" smtClean="0"/>
+              <a:rPr lang="zh-CN" altLang="en-US" dirty="0" smtClean="0"/>
+              <a:t> </a:t>
+            </a:r>
+            <a:r>
+              <a:rPr lang="en-US" altLang="zh-CN" dirty="0" smtClean="0"/>
               <a:t>points</a:t>
             </a:r>
             <a:r>
-              <a:rPr lang="zh-CN" altLang="en-US" smtClean="0"/>
-              <a:t> </a:t>
-            </a:r>
-            <a:r>
-              <a:rPr lang="en-US" altLang="zh-CN" smtClean="0"/>
+              <a:rPr lang="zh-CN" altLang="en-US" dirty="0" smtClean="0"/>
+              <a:t> </a:t>
+            </a:r>
+            <a:r>
+              <a:rPr lang="en-US" altLang="zh-CN" dirty="0" smtClean="0"/>
               <a:t>and</a:t>
             </a:r>
             <a:r>
-              <a:rPr lang="zh-CN" altLang="en-US" smtClean="0"/>
-              <a:t> </a:t>
-            </a:r>
-            <a:r>
-              <a:rPr lang="en-US" altLang="zh-CN" smtClean="0"/>
+              <a:rPr lang="zh-CN" altLang="en-US" dirty="0" smtClean="0"/>
+              <a:t> </a:t>
+            </a:r>
+            <a:r>
+              <a:rPr lang="en-US" altLang="zh-CN" dirty="0" smtClean="0"/>
               <a:t>ending</a:t>
             </a:r>
             <a:r>
-              <a:rPr lang="zh-CN" altLang="en-US" smtClean="0"/>
-              <a:t> </a:t>
-            </a:r>
-            <a:r>
-              <a:rPr lang="en-US" altLang="zh-CN" smtClean="0"/>
+              <a:rPr lang="zh-CN" altLang="en-US" dirty="0" smtClean="0"/>
+              <a:t> </a:t>
+            </a:r>
+            <a:r>
+              <a:rPr lang="en-US" altLang="zh-CN" dirty="0" smtClean="0"/>
               <a:t>points</a:t>
             </a:r>
           </a:p>
@@ -5415,82 +5407,82 @@
               <a:buChar char="q"/>
             </a:pPr>
             <a:r>
-              <a:rPr lang="zh-CN" altLang="en-US"/>
-              <a:t> </a:t>
-            </a:r>
-            <a:r>
-              <a:rPr lang="en-US" altLang="zh-CN" smtClean="0"/>
+              <a:rPr lang="zh-CN" altLang="en-US" dirty="0"/>
+              <a:t> </a:t>
+            </a:r>
+            <a:r>
+              <a:rPr lang="en-US" altLang="zh-CN" dirty="0" smtClean="0"/>
               <a:t>Choose</a:t>
             </a:r>
             <a:r>
-              <a:rPr lang="zh-CN" altLang="en-US" smtClean="0"/>
-              <a:t> </a:t>
-            </a:r>
-            <a:r>
-              <a:rPr lang="en-US" altLang="zh-CN" smtClean="0"/>
+              <a:rPr lang="zh-CN" altLang="en-US" dirty="0" smtClean="0"/>
+              <a:t> </a:t>
+            </a:r>
+            <a:r>
+              <a:rPr lang="en-US" altLang="zh-CN" dirty="0" smtClean="0"/>
               <a:t>start</a:t>
             </a:r>
             <a:r>
-              <a:rPr lang="zh-CN" altLang="en-US" smtClean="0"/>
-              <a:t> </a:t>
-            </a:r>
-            <a:r>
-              <a:rPr lang="en-US" altLang="zh-CN" smtClean="0"/>
+              <a:rPr lang="zh-CN" altLang="en-US" dirty="0" smtClean="0"/>
+              <a:t> </a:t>
+            </a:r>
+            <a:r>
+              <a:rPr lang="en-US" altLang="zh-CN" dirty="0" smtClean="0"/>
               <a:t>and</a:t>
             </a:r>
             <a:r>
-              <a:rPr lang="zh-CN" altLang="en-US" smtClean="0"/>
-              <a:t> </a:t>
-            </a:r>
-            <a:r>
-              <a:rPr lang="en-US" altLang="zh-CN" smtClean="0"/>
+              <a:rPr lang="zh-CN" altLang="en-US" dirty="0" smtClean="0"/>
+              <a:t> </a:t>
+            </a:r>
+            <a:r>
+              <a:rPr lang="en-US" altLang="zh-CN" dirty="0" smtClean="0"/>
               <a:t>end</a:t>
             </a:r>
             <a:r>
-              <a:rPr lang="zh-CN" altLang="en-US" smtClean="0"/>
-              <a:t> </a:t>
-            </a:r>
-            <a:r>
-              <a:rPr lang="en-US" altLang="zh-CN" smtClean="0"/>
+              <a:rPr lang="zh-CN" altLang="en-US" dirty="0" smtClean="0"/>
+              <a:t> </a:t>
+            </a:r>
+            <a:r>
+              <a:rPr lang="en-US" altLang="zh-CN" dirty="0" smtClean="0"/>
               <a:t>points</a:t>
             </a:r>
             <a:r>
-              <a:rPr lang="zh-CN" altLang="en-US" smtClean="0"/>
-              <a:t> </a:t>
-            </a:r>
-            <a:r>
-              <a:rPr lang="en-US" altLang="zh-CN" smtClean="0"/>
+              <a:rPr lang="zh-CN" altLang="en-US" dirty="0" smtClean="0"/>
+              <a:t> </a:t>
+            </a:r>
+            <a:r>
+              <a:rPr lang="en-US" altLang="zh-CN" dirty="0" smtClean="0"/>
               <a:t>with</a:t>
             </a:r>
             <a:r>
-              <a:rPr lang="zh-CN" altLang="en-US" smtClean="0"/>
-              <a:t> </a:t>
-            </a:r>
-            <a:r>
-              <a:rPr lang="en-US" altLang="zh-CN" smtClean="0"/>
+              <a:rPr lang="zh-CN" altLang="en-US" dirty="0" smtClean="0"/>
+              <a:t> </a:t>
+            </a:r>
+            <a:r>
+              <a:rPr lang="en-US" altLang="zh-CN" dirty="0" smtClean="0"/>
               <a:t>largest</a:t>
             </a:r>
             <a:r>
-              <a:rPr lang="zh-CN" altLang="en-US" smtClean="0"/>
-              <a:t> </a:t>
-            </a:r>
-            <a:r>
-              <a:rPr lang="en-US" altLang="zh-CN" smtClean="0"/>
+              <a:rPr lang="zh-CN" altLang="en-US" dirty="0" smtClean="0"/>
+              <a:t> </a:t>
+            </a:r>
+            <a:r>
+              <a:rPr lang="en-US" altLang="zh-CN" dirty="0" smtClean="0"/>
               <a:t>difference</a:t>
             </a:r>
             <a:r>
-              <a:rPr lang="zh-CN" altLang="en-US" smtClean="0"/>
-              <a:t> </a:t>
-            </a:r>
-            <a:r>
-              <a:rPr lang="en-US" altLang="zh-CN" smtClean="0"/>
+              <a:rPr lang="zh-CN" altLang="en-US" dirty="0" smtClean="0"/>
+              <a:t> </a:t>
+            </a:r>
+            <a:r>
+              <a:rPr lang="en-US" altLang="zh-CN" dirty="0" smtClean="0"/>
               <a:t>(length)</a:t>
             </a:r>
             <a:r>
-              <a:rPr lang="zh-CN" altLang="en-US" smtClean="0"/>
-              <a:t> </a:t>
-            </a:r>
-            <a:endParaRPr lang="en-US"/>
+              <a:rPr lang="zh-CN" altLang="en-US" dirty="0" smtClean="0"/>
+              <a:t> </a:t>
+            </a:r>
+            <a:endParaRPr lang="en-US" dirty="0"/>
           </a:p>
         </p:txBody>
       </p:sp>
@@ -5588,10 +5580,155 @@
           </a:xfrm>
         </p:spPr>
         <p:txBody>
-          <a:bodyPr/>
+          <a:bodyPr>
+            <a:normAutofit/>
+          </a:bodyPr>
           <a:lstStyle/>
           <a:p>
-            <a:endParaRPr lang="en-US"/>
+            <a:r>
+              <a:rPr lang="en-US" altLang="zh-CN" b="1" dirty="0" smtClean="0"/>
+              <a:t>Calculate</a:t>
+            </a:r>
+            <a:r>
+              <a:rPr lang="zh-CN" altLang="en-US" b="1" dirty="0" smtClean="0"/>
+              <a:t> </a:t>
+            </a:r>
+            <a:r>
+              <a:rPr lang="en-US" altLang="zh-CN" b="1" dirty="0" smtClean="0"/>
+              <a:t>the column</a:t>
+            </a:r>
+            <a:r>
+              <a:rPr lang="zh-CN" altLang="en-US" b="1" dirty="0" smtClean="0"/>
+              <a:t> </a:t>
+            </a:r>
+            <a:r>
+              <a:rPr lang="en-US" altLang="zh-CN" b="1" dirty="0" smtClean="0"/>
+              <a:t>weight(sum)</a:t>
+            </a:r>
+            <a:r>
+              <a:rPr lang="zh-CN" altLang="en-US" b="1" dirty="0" smtClean="0"/>
+              <a:t> </a:t>
+            </a:r>
+            <a:r>
+              <a:rPr lang="en-US" altLang="zh-CN" b="1" dirty="0" smtClean="0"/>
+              <a:t>to</a:t>
+            </a:r>
+            <a:r>
+              <a:rPr lang="zh-CN" altLang="en-US" b="1" dirty="0" smtClean="0"/>
+              <a:t> </a:t>
+            </a:r>
+            <a:r>
+              <a:rPr lang="en-US" altLang="zh-CN" b="1" dirty="0" smtClean="0"/>
+              <a:t>do</a:t>
+            </a:r>
+            <a:r>
+              <a:rPr lang="zh-CN" altLang="en-US" b="1" dirty="0" smtClean="0"/>
+              <a:t> </a:t>
+            </a:r>
+            <a:r>
+              <a:rPr lang="en-US" altLang="zh-CN" b="1" dirty="0" smtClean="0"/>
+              <a:t>horizontal</a:t>
+            </a:r>
+            <a:r>
+              <a:rPr lang="zh-CN" altLang="en-US" b="1" dirty="0" smtClean="0"/>
+              <a:t> </a:t>
+            </a:r>
+            <a:r>
+              <a:rPr lang="en-US" altLang="zh-CN" b="1" dirty="0" smtClean="0"/>
+              <a:t>segmentation</a:t>
+            </a:r>
+            <a:endParaRPr lang="en-US" altLang="zh-CN" b="1" dirty="0"/>
+          </a:p>
+          <a:p>
+            <a:pPr>
+              <a:buFont typeface="Wingdings" charset="2"/>
+              <a:buChar char="q"/>
+            </a:pPr>
+            <a:r>
+              <a:rPr lang="zh-CN" altLang="en-US" b="1" dirty="0"/>
+              <a:t> </a:t>
+            </a:r>
+            <a:r>
+              <a:rPr lang="en-US" altLang="zh-CN" dirty="0" smtClean="0"/>
+              <a:t>Large color difference(black and white) between character and the space in the middle of the two characters</a:t>
+            </a:r>
+            <a:endParaRPr lang="en-US" altLang="zh-CN" dirty="0"/>
+          </a:p>
+          <a:p>
+            <a:r>
+              <a:rPr lang="en-US" altLang="zh-CN" b="1" dirty="0" smtClean="0"/>
+              <a:t>Calculate</a:t>
+            </a:r>
+            <a:r>
+              <a:rPr lang="zh-CN" altLang="en-US" b="1" dirty="0" smtClean="0"/>
+              <a:t> </a:t>
+            </a:r>
+            <a:r>
+              <a:rPr lang="en-US" altLang="zh-CN" b="1" dirty="0" smtClean="0"/>
+              <a:t>the row weight(sum) to do vertical segmentation </a:t>
+            </a:r>
+          </a:p>
+          <a:p>
+            <a:pPr>
+              <a:buFont typeface="Wingdings" charset="2"/>
+              <a:buChar char="q"/>
+            </a:pPr>
+            <a:r>
+              <a:rPr lang="zh-CN" altLang="en-US" b="1" dirty="0"/>
+              <a:t> </a:t>
+            </a:r>
+            <a:r>
+              <a:rPr lang="en-US" altLang="zh-CN" dirty="0" smtClean="0"/>
+              <a:t>Set the top and bottom boundaries for each character </a:t>
+            </a:r>
+            <a:endParaRPr lang="en-US" altLang="zh-CN" b="1" dirty="0" smtClean="0"/>
+          </a:p>
+          <a:p>
+            <a:r>
+              <a:rPr lang="en-US" altLang="zh-CN" b="1" dirty="0" smtClean="0"/>
+              <a:t>Use the character feature to further remove the noise </a:t>
+            </a:r>
+          </a:p>
+          <a:p>
+            <a:pPr>
+              <a:buFont typeface="Wingdings" charset="2"/>
+              <a:buChar char="q"/>
+            </a:pPr>
+            <a:r>
+              <a:rPr lang="zh-CN" altLang="en-US" b="1" dirty="0"/>
+              <a:t> </a:t>
+            </a:r>
+            <a:r>
+              <a:rPr lang="en-US" altLang="zh-CN" dirty="0" smtClean="0"/>
+              <a:t>The ratio of row to column sits in a specific range (0.5 </a:t>
+            </a:r>
+            <a:r>
+              <a:rPr lang="mr-IN" altLang="zh-CN" dirty="0" smtClean="0"/>
+              <a:t>–</a:t>
+            </a:r>
+            <a:r>
+              <a:rPr lang="en-US" altLang="zh-CN" dirty="0" smtClean="0"/>
+              <a:t> 2.0)</a:t>
+            </a:r>
+            <a:endParaRPr lang="en-US" altLang="zh-CN" dirty="0"/>
+          </a:p>
+          <a:p>
+            <a:pPr>
+              <a:buFont typeface="Wingdings" charset="2"/>
+              <a:buChar char="q"/>
+            </a:pPr>
+            <a:r>
+              <a:rPr lang="zh-CN" altLang="en-US" b="1" dirty="0"/>
+              <a:t> </a:t>
+            </a:r>
+            <a:r>
+              <a:rPr lang="en-US" altLang="zh-CN" dirty="0" smtClean="0"/>
+              <a:t>The ratio of the sum of character matrix to its (row * column) is greater than some threshold value( &gt; 0.1)</a:t>
+            </a:r>
+            <a:endParaRPr lang="en-US" altLang="zh-CN" b="1" dirty="0"/>
+          </a:p>
+          <a:p>
+            <a:endParaRPr lang="en-US" altLang="zh-CN" b="1" dirty="0"/>
           </a:p>
         </p:txBody>
       </p:sp>

--- a/presentation/eecs442_final_presentation.pptx
+++ b/presentation/eecs442_final_presentation.pptx
@@ -5821,7 +5821,7 @@
         </p:nvSpPr>
         <p:spPr>
           <a:xfrm>
-            <a:off x="838200" y="1590261"/>
+            <a:off x="838200" y="1690688"/>
             <a:ext cx="10515600" cy="4586702"/>
           </a:xfrm>
         </p:spPr>
@@ -5829,10 +5829,81 @@
           <a:bodyPr/>
           <a:lstStyle/>
           <a:p>
-            <a:endParaRPr lang="en-US"/>
-          </a:p>
-        </p:txBody>
-      </p:sp>
+            <a:r>
+              <a:rPr lang="en-US" dirty="0" smtClean="0"/>
+              <a:t>EMNIST </a:t>
+            </a:r>
+            <a:r>
+              <a:rPr lang="mr-IN" dirty="0" smtClean="0"/>
+              <a:t>–</a:t>
+            </a:r>
+            <a:r>
+              <a:rPr lang="en-US" dirty="0" smtClean="0"/>
+              <a:t> an extension of MNIST dataset </a:t>
+            </a:r>
+          </a:p>
+          <a:p>
+            <a:endParaRPr lang="en-US" dirty="0" smtClean="0"/>
+          </a:p>
+          <a:p>
+            <a:r>
+              <a:rPr lang="en-US" dirty="0"/>
+              <a:t>t</a:t>
+            </a:r>
+            <a:r>
+              <a:rPr lang="en-US" dirty="0" smtClean="0"/>
+              <a:t>rained on 131,600 characters, 47 balanced class</a:t>
+            </a:r>
+          </a:p>
+          <a:p>
+            <a:endParaRPr lang="en-US" dirty="0" smtClean="0"/>
+          </a:p>
+          <a:p>
+            <a:r>
+              <a:rPr lang="en-US" altLang="zh-CN" dirty="0" smtClean="0"/>
+              <a:t>87.33%</a:t>
+            </a:r>
+            <a:r>
+              <a:rPr lang="zh-CN" altLang="en-US" dirty="0" smtClean="0"/>
+              <a:t> </a:t>
+            </a:r>
+            <a:r>
+              <a:rPr lang="en-US" altLang="zh-CN" dirty="0" smtClean="0"/>
+              <a:t>accuracy on EMNIST test data</a:t>
+            </a:r>
+            <a:endParaRPr lang="en-US" dirty="0"/>
+          </a:p>
+        </p:txBody>
+      </p:sp>
+      <p:pic>
+        <p:nvPicPr>
+          <p:cNvPr id="4" name="Picture 3"/>
+          <p:cNvPicPr>
+            <a:picLocks noChangeAspect="1"/>
+          </p:cNvPicPr>
+          <p:nvPr/>
+        </p:nvPicPr>
+        <p:blipFill rotWithShape="1">
+          <a:blip r:embed="rId2">
+            <a:extLst>
+              <a:ext uri="{28A0092B-C50C-407E-A947-70E740481C1C}">
+                <a14:useLocalDpi xmlns:a14="http://schemas.microsoft.com/office/drawing/2010/main" val="0"/>
+              </a:ext>
+            </a:extLst>
+          </a:blip>
+          <a:srcRect b="10762"/>
+          <a:stretch/>
+        </p:blipFill>
+        <p:spPr>
+          <a:xfrm>
+            <a:off x="1674565" y="4224528"/>
+            <a:ext cx="8571287" cy="2505456"/>
+          </a:xfrm>
+          <a:prstGeom prst="rect">
+            <a:avLst/>
+          </a:prstGeom>
+        </p:spPr>
+      </p:pic>
     </p:spTree>
     <p:extLst>
       <p:ext uri="{BB962C8B-B14F-4D97-AF65-F5344CB8AC3E}">

--- a/presentation/eecs442_final_presentation.pptx
+++ b/presentation/eecs442_final_presentation.pptx
@@ -206,7 +206,7 @@
           <a:p>
             <a:fld id="{433F9EFC-A1BF-D442-8C0A-10D9CEB512D6}" type="datetimeFigureOut">
               <a:rPr kumimoji="1" lang="zh-CN" altLang="en-US" smtClean="0"/>
-              <a:t>2017/12/6</a:t>
+              <a:t>2017/12/7</a:t>
             </a:fld>
             <a:endParaRPr kumimoji="1" lang="zh-CN" altLang="en-US"/>
           </a:p>
@@ -605,7 +605,7 @@
             <a:fld id="{B61BEF0D-F0BB-DE4B-95CE-6DB70DBA9567}" type="datetimeFigureOut">
               <a:rPr lang="en-US" smtClean="0"/>
               <a:pPr/>
-              <a:t>12/6/17</a:t>
+              <a:t>12/7/17</a:t>
             </a:fld>
             <a:endParaRPr lang="en-US" dirty="0"/>
           </a:p>
@@ -777,7 +777,7 @@
             <a:fld id="{B61BEF0D-F0BB-DE4B-95CE-6DB70DBA9567}" type="datetimeFigureOut">
               <a:rPr lang="en-US" smtClean="0"/>
               <a:pPr/>
-              <a:t>12/6/17</a:t>
+              <a:t>12/7/17</a:t>
             </a:fld>
             <a:endParaRPr lang="en-US" dirty="0"/>
           </a:p>
@@ -959,7 +959,7 @@
             <a:fld id="{B61BEF0D-F0BB-DE4B-95CE-6DB70DBA9567}" type="datetimeFigureOut">
               <a:rPr lang="en-US" smtClean="0"/>
               <a:pPr/>
-              <a:t>12/6/17</a:t>
+              <a:t>12/7/17</a:t>
             </a:fld>
             <a:endParaRPr lang="en-US" dirty="0"/>
           </a:p>
@@ -1131,7 +1131,7 @@
             <a:fld id="{B61BEF0D-F0BB-DE4B-95CE-6DB70DBA9567}" type="datetimeFigureOut">
               <a:rPr lang="en-US" smtClean="0"/>
               <a:pPr/>
-              <a:t>12/6/17</a:t>
+              <a:t>12/7/17</a:t>
             </a:fld>
             <a:endParaRPr lang="en-US" dirty="0"/>
           </a:p>
@@ -1379,7 +1379,7 @@
             <a:fld id="{B61BEF0D-F0BB-DE4B-95CE-6DB70DBA9567}" type="datetimeFigureOut">
               <a:rPr lang="en-US" smtClean="0"/>
               <a:pPr/>
-              <a:t>12/6/17</a:t>
+              <a:t>12/7/17</a:t>
             </a:fld>
             <a:endParaRPr lang="en-US" dirty="0"/>
           </a:p>
@@ -1613,7 +1613,7 @@
             <a:fld id="{B61BEF0D-F0BB-DE4B-95CE-6DB70DBA9567}" type="datetimeFigureOut">
               <a:rPr lang="en-US" smtClean="0"/>
               <a:pPr/>
-              <a:t>12/6/17</a:t>
+              <a:t>12/7/17</a:t>
             </a:fld>
             <a:endParaRPr lang="en-US" dirty="0"/>
           </a:p>
@@ -1982,7 +1982,7 @@
             <a:fld id="{B61BEF0D-F0BB-DE4B-95CE-6DB70DBA9567}" type="datetimeFigureOut">
               <a:rPr lang="en-US" smtClean="0"/>
               <a:pPr/>
-              <a:t>12/6/17</a:t>
+              <a:t>12/7/17</a:t>
             </a:fld>
             <a:endParaRPr lang="en-US" dirty="0"/>
           </a:p>
@@ -2102,7 +2102,7 @@
             <a:fld id="{B61BEF0D-F0BB-DE4B-95CE-6DB70DBA9567}" type="datetimeFigureOut">
               <a:rPr lang="en-US" smtClean="0"/>
               <a:pPr/>
-              <a:t>12/6/17</a:t>
+              <a:t>12/7/17</a:t>
             </a:fld>
             <a:endParaRPr lang="en-US" dirty="0"/>
           </a:p>
@@ -2199,7 +2199,7 @@
             <a:fld id="{B61BEF0D-F0BB-DE4B-95CE-6DB70DBA9567}" type="datetimeFigureOut">
               <a:rPr lang="en-US" smtClean="0"/>
               <a:pPr/>
-              <a:t>12/6/17</a:t>
+              <a:t>12/7/17</a:t>
             </a:fld>
             <a:endParaRPr lang="en-US" dirty="0"/>
           </a:p>
@@ -2478,7 +2478,7 @@
             <a:fld id="{B61BEF0D-F0BB-DE4B-95CE-6DB70DBA9567}" type="datetimeFigureOut">
               <a:rPr lang="en-US" smtClean="0"/>
               <a:pPr/>
-              <a:t>12/6/17</a:t>
+              <a:t>12/7/17</a:t>
             </a:fld>
             <a:endParaRPr lang="en-US" dirty="0"/>
           </a:p>
@@ -2733,7 +2733,7 @@
             <a:fld id="{B61BEF0D-F0BB-DE4B-95CE-6DB70DBA9567}" type="datetimeFigureOut">
               <a:rPr lang="en-US" smtClean="0"/>
               <a:pPr/>
-              <a:t>12/6/17</a:t>
+              <a:t>12/7/17</a:t>
             </a:fld>
             <a:endParaRPr lang="en-US" dirty="0"/>
           </a:p>
@@ -2948,7 +2948,7 @@
             <a:fld id="{B61BEF0D-F0BB-DE4B-95CE-6DB70DBA9567}" type="datetimeFigureOut">
               <a:rPr lang="en-US" smtClean="0"/>
               <a:pPr/>
-              <a:t>12/6/17</a:t>
+              <a:t>12/7/17</a:t>
             </a:fld>
             <a:endParaRPr lang="en-US" dirty="0"/>
           </a:p>
@@ -3619,7 +3619,7 @@
           <p:cNvPr id="3" name="标题 1">
             <a:extLst>
               <a:ext uri="{FF2B5EF4-FFF2-40B4-BE49-F238E27FC236}">
-                <a16:creationId xmlns:a16="http://schemas.microsoft.com/office/drawing/2014/main" xmlns="" id="{722A9F23-9138-46F0-89EB-834D302B76DA}"/>
+                <a16:creationId xmlns="" xmlns:a16="http://schemas.microsoft.com/office/drawing/2014/main" id="{722A9F23-9138-46F0-89EB-834D302B76DA}"/>
               </a:ext>
             </a:extLst>
           </p:cNvPr>
@@ -3730,7 +3730,7 @@
           <p:cNvPr id="4" name="内容占位符 2">
             <a:extLst>
               <a:ext uri="{FF2B5EF4-FFF2-40B4-BE49-F238E27FC236}">
-                <a16:creationId xmlns:a16="http://schemas.microsoft.com/office/drawing/2014/main" xmlns="" id="{B5CEF5B4-BDAC-4875-9B38-04A8359710C5}"/>
+                <a16:creationId xmlns="" xmlns:a16="http://schemas.microsoft.com/office/drawing/2014/main" id="{B5CEF5B4-BDAC-4875-9B38-04A8359710C5}"/>
               </a:ext>
             </a:extLst>
           </p:cNvPr>
@@ -4147,7 +4147,7 @@
           <p:cNvPr id="4" name="内容占位符 2">
             <a:extLst>
               <a:ext uri="{FF2B5EF4-FFF2-40B4-BE49-F238E27FC236}">
-                <a16:creationId xmlns:a16="http://schemas.microsoft.com/office/drawing/2014/main" xmlns="" id="{2124F2FB-2586-4C38-B564-8244545FCB15}"/>
+                <a16:creationId xmlns="" xmlns:a16="http://schemas.microsoft.com/office/drawing/2014/main" id="{2124F2FB-2586-4C38-B564-8244545FCB15}"/>
               </a:ext>
             </a:extLst>
           </p:cNvPr>
@@ -4186,7 +4186,7 @@
           <p:cNvPr id="6" name="内容占位符 2">
             <a:extLst>
               <a:ext uri="{FF2B5EF4-FFF2-40B4-BE49-F238E27FC236}">
-                <a16:creationId xmlns:a16="http://schemas.microsoft.com/office/drawing/2014/main" xmlns="" id="{B5CEF5B4-BDAC-4875-9B38-04A8359710C5}"/>
+                <a16:creationId xmlns="" xmlns:a16="http://schemas.microsoft.com/office/drawing/2014/main" id="{B5CEF5B4-BDAC-4875-9B38-04A8359710C5}"/>
               </a:ext>
             </a:extLst>
           </p:cNvPr>
@@ -4368,7 +4368,7 @@
           <p:cNvPr id="5" name="标题 1">
             <a:extLst>
               <a:ext uri="{FF2B5EF4-FFF2-40B4-BE49-F238E27FC236}">
-                <a16:creationId xmlns:a16="http://schemas.microsoft.com/office/drawing/2014/main" xmlns="" id="{722A9F23-9138-46F0-89EB-834D302B76DA}"/>
+                <a16:creationId xmlns="" xmlns:a16="http://schemas.microsoft.com/office/drawing/2014/main" id="{722A9F23-9138-46F0-89EB-834D302B76DA}"/>
               </a:ext>
             </a:extLst>
           </p:cNvPr>
@@ -5877,7 +5877,7 @@
       </p:sp>
       <p:pic>
         <p:nvPicPr>
-          <p:cNvPr id="4" name="Picture 3"/>
+          <p:cNvPr id="5" name="Picture 4"/>
           <p:cNvPicPr>
             <a:picLocks noChangeAspect="1"/>
           </p:cNvPicPr>
@@ -5891,13 +5891,13 @@
               </a:ext>
             </a:extLst>
           </a:blip>
-          <a:srcRect b="10762"/>
+          <a:srcRect b="13088"/>
           <a:stretch/>
         </p:blipFill>
         <p:spPr>
           <a:xfrm>
-            <a:off x="1674565" y="4224528"/>
-            <a:ext cx="8571287" cy="2505456"/>
+            <a:off x="1572769" y="4219563"/>
+            <a:ext cx="8660892" cy="2455557"/>
           </a:xfrm>
           <a:prstGeom prst="rect">
             <a:avLst/>
